--- a/ppt 16-9/0233.加略山的爱.pptx
+++ b/ppt 16-9/0233.加略山的爱.pptx
@@ -129,7 +129,7 @@
           <p:cNvPr id="2" name="标题 1">
             <a:extLst>
               <a:ext uri="{FF2B5EF4-FFF2-40B4-BE49-F238E27FC236}">
-                <a16:creationId xmlns:a16="http://schemas.microsoft.com/office/drawing/2014/main" id="{C851EC31-589E-3ADD-D5AE-4839EBBF0598}"/>
+                <a16:creationId xmlns:a16="http://schemas.microsoft.com/office/drawing/2014/main" id="{16721DD0-8003-F4EC-F42A-2641D3EAB2F3}"/>
               </a:ext>
             </a:extLst>
           </p:cNvPr>
@@ -166,7 +166,7 @@
           <p:cNvPr id="3" name="副标题 2">
             <a:extLst>
               <a:ext uri="{FF2B5EF4-FFF2-40B4-BE49-F238E27FC236}">
-                <a16:creationId xmlns:a16="http://schemas.microsoft.com/office/drawing/2014/main" id="{C3923758-8588-9295-4CE7-8910A78533BD}"/>
+                <a16:creationId xmlns:a16="http://schemas.microsoft.com/office/drawing/2014/main" id="{895D26BA-BC33-3FC9-5D53-AB4E112FF453}"/>
               </a:ext>
             </a:extLst>
           </p:cNvPr>
@@ -236,7 +236,7 @@
           <p:cNvPr id="4" name="日期占位符 3">
             <a:extLst>
               <a:ext uri="{FF2B5EF4-FFF2-40B4-BE49-F238E27FC236}">
-                <a16:creationId xmlns:a16="http://schemas.microsoft.com/office/drawing/2014/main" id="{65F70996-DC1A-94C7-8FEF-735A3978A94E}"/>
+                <a16:creationId xmlns:a16="http://schemas.microsoft.com/office/drawing/2014/main" id="{D21A19E3-6F61-6C05-4DE3-A4D55D4A71FB}"/>
               </a:ext>
             </a:extLst>
           </p:cNvPr>
@@ -252,7 +252,7 @@
           <a:bodyPr/>
           <a:lstStyle/>
           <a:p>
-            <a:fld id="{D8922241-0B8A-4D5E-A0F3-18E1C0800680}" type="datetimeFigureOut">
+            <a:fld id="{07F4F346-8C64-40FC-8F52-E6FCA06FD8F0}" type="datetimeFigureOut">
               <a:rPr lang="zh-CN" altLang="en-US" smtClean="0"/>
               <a:t>2024/3/10</a:t>
             </a:fld>
@@ -265,7 +265,7 @@
           <p:cNvPr id="5" name="页脚占位符 4">
             <a:extLst>
               <a:ext uri="{FF2B5EF4-FFF2-40B4-BE49-F238E27FC236}">
-                <a16:creationId xmlns:a16="http://schemas.microsoft.com/office/drawing/2014/main" id="{F38E6BE6-7722-70A6-B8E6-283FC314B2CC}"/>
+                <a16:creationId xmlns:a16="http://schemas.microsoft.com/office/drawing/2014/main" id="{B225087C-60D5-1260-8205-A24A7C38CC77}"/>
               </a:ext>
             </a:extLst>
           </p:cNvPr>
@@ -290,7 +290,7 @@
           <p:cNvPr id="6" name="灯片编号占位符 5">
             <a:extLst>
               <a:ext uri="{FF2B5EF4-FFF2-40B4-BE49-F238E27FC236}">
-                <a16:creationId xmlns:a16="http://schemas.microsoft.com/office/drawing/2014/main" id="{693E67FF-E92B-BA01-6C9D-9265316543DF}"/>
+                <a16:creationId xmlns:a16="http://schemas.microsoft.com/office/drawing/2014/main" id="{308EE53D-1800-19F1-9BB9-02523F8CE43C}"/>
               </a:ext>
             </a:extLst>
           </p:cNvPr>
@@ -306,7 +306,7 @@
           <a:bodyPr/>
           <a:lstStyle/>
           <a:p>
-            <a:fld id="{037B7BC9-61D7-4834-A552-F403A9EEA34C}" type="slidenum">
+            <a:fld id="{70EA9478-A44A-44E4-A3A1-05D0C1EA4E94}" type="slidenum">
               <a:rPr lang="zh-CN" altLang="en-US" smtClean="0"/>
               <a:t>‹#›</a:t>
             </a:fld>
@@ -317,7 +317,7 @@
     </p:spTree>
     <p:extLst>
       <p:ext uri="{BB962C8B-B14F-4D97-AF65-F5344CB8AC3E}">
-        <p14:creationId xmlns:p14="http://schemas.microsoft.com/office/powerpoint/2010/main" val="1045668316"/>
+        <p14:creationId xmlns:p14="http://schemas.microsoft.com/office/powerpoint/2010/main" val="621945820"/>
       </p:ext>
     </p:extLst>
   </p:cSld>
@@ -349,7 +349,7 @@
           <p:cNvPr id="2" name="标题 1">
             <a:extLst>
               <a:ext uri="{FF2B5EF4-FFF2-40B4-BE49-F238E27FC236}">
-                <a16:creationId xmlns:a16="http://schemas.microsoft.com/office/drawing/2014/main" id="{425716E1-8631-D68B-3871-DAA0D9F157F9}"/>
+                <a16:creationId xmlns:a16="http://schemas.microsoft.com/office/drawing/2014/main" id="{B161E517-B999-7678-BD83-11524A1FC943}"/>
               </a:ext>
             </a:extLst>
           </p:cNvPr>
@@ -377,7 +377,7 @@
           <p:cNvPr id="3" name="竖排文字占位符 2">
             <a:extLst>
               <a:ext uri="{FF2B5EF4-FFF2-40B4-BE49-F238E27FC236}">
-                <a16:creationId xmlns:a16="http://schemas.microsoft.com/office/drawing/2014/main" id="{FD321175-2D43-BA01-D8C3-AA9B05B1BC72}"/>
+                <a16:creationId xmlns:a16="http://schemas.microsoft.com/office/drawing/2014/main" id="{3AC5ADFB-82E7-4DA9-E81A-C8FBA487BE88}"/>
               </a:ext>
             </a:extLst>
           </p:cNvPr>
@@ -434,7 +434,7 @@
           <p:cNvPr id="4" name="日期占位符 3">
             <a:extLst>
               <a:ext uri="{FF2B5EF4-FFF2-40B4-BE49-F238E27FC236}">
-                <a16:creationId xmlns:a16="http://schemas.microsoft.com/office/drawing/2014/main" id="{47F40803-9040-A971-40C8-9448AFD7AFAB}"/>
+                <a16:creationId xmlns:a16="http://schemas.microsoft.com/office/drawing/2014/main" id="{68D7CB72-5703-732D-3495-D1AB5A8BBF14}"/>
               </a:ext>
             </a:extLst>
           </p:cNvPr>
@@ -450,7 +450,7 @@
           <a:bodyPr/>
           <a:lstStyle/>
           <a:p>
-            <a:fld id="{D8922241-0B8A-4D5E-A0F3-18E1C0800680}" type="datetimeFigureOut">
+            <a:fld id="{07F4F346-8C64-40FC-8F52-E6FCA06FD8F0}" type="datetimeFigureOut">
               <a:rPr lang="zh-CN" altLang="en-US" smtClean="0"/>
               <a:t>2024/3/10</a:t>
             </a:fld>
@@ -463,7 +463,7 @@
           <p:cNvPr id="5" name="页脚占位符 4">
             <a:extLst>
               <a:ext uri="{FF2B5EF4-FFF2-40B4-BE49-F238E27FC236}">
-                <a16:creationId xmlns:a16="http://schemas.microsoft.com/office/drawing/2014/main" id="{07719445-F15F-D352-2BCF-B34944D0C0FF}"/>
+                <a16:creationId xmlns:a16="http://schemas.microsoft.com/office/drawing/2014/main" id="{3B2575C0-8D0C-3543-5B10-C4F66270E000}"/>
               </a:ext>
             </a:extLst>
           </p:cNvPr>
@@ -488,7 +488,7 @@
           <p:cNvPr id="6" name="灯片编号占位符 5">
             <a:extLst>
               <a:ext uri="{FF2B5EF4-FFF2-40B4-BE49-F238E27FC236}">
-                <a16:creationId xmlns:a16="http://schemas.microsoft.com/office/drawing/2014/main" id="{B22F6132-C529-C1A6-2471-62472C216596}"/>
+                <a16:creationId xmlns:a16="http://schemas.microsoft.com/office/drawing/2014/main" id="{774C4D46-B9ED-880C-5243-5FF80573AFFA}"/>
               </a:ext>
             </a:extLst>
           </p:cNvPr>
@@ -504,7 +504,7 @@
           <a:bodyPr/>
           <a:lstStyle/>
           <a:p>
-            <a:fld id="{037B7BC9-61D7-4834-A552-F403A9EEA34C}" type="slidenum">
+            <a:fld id="{70EA9478-A44A-44E4-A3A1-05D0C1EA4E94}" type="slidenum">
               <a:rPr lang="zh-CN" altLang="en-US" smtClean="0"/>
               <a:t>‹#›</a:t>
             </a:fld>
@@ -515,7 +515,7 @@
     </p:spTree>
     <p:extLst>
       <p:ext uri="{BB962C8B-B14F-4D97-AF65-F5344CB8AC3E}">
-        <p14:creationId xmlns:p14="http://schemas.microsoft.com/office/powerpoint/2010/main" val="3901890173"/>
+        <p14:creationId xmlns:p14="http://schemas.microsoft.com/office/powerpoint/2010/main" val="1635701067"/>
       </p:ext>
     </p:extLst>
   </p:cSld>
@@ -547,7 +547,7 @@
           <p:cNvPr id="2" name="竖排标题 1">
             <a:extLst>
               <a:ext uri="{FF2B5EF4-FFF2-40B4-BE49-F238E27FC236}">
-                <a16:creationId xmlns:a16="http://schemas.microsoft.com/office/drawing/2014/main" id="{B74231B8-8B94-1CDB-E405-89E1EDED0505}"/>
+                <a16:creationId xmlns:a16="http://schemas.microsoft.com/office/drawing/2014/main" id="{391E3EE9-A07E-4467-DB2D-8F9A87893BF9}"/>
               </a:ext>
             </a:extLst>
           </p:cNvPr>
@@ -580,7 +580,7 @@
           <p:cNvPr id="3" name="竖排文字占位符 2">
             <a:extLst>
               <a:ext uri="{FF2B5EF4-FFF2-40B4-BE49-F238E27FC236}">
-                <a16:creationId xmlns:a16="http://schemas.microsoft.com/office/drawing/2014/main" id="{910A3462-3C43-EAD3-3F33-1FEB65D1CCBC}"/>
+                <a16:creationId xmlns:a16="http://schemas.microsoft.com/office/drawing/2014/main" id="{977D3DFE-997F-432C-C1B0-AE6834B3D282}"/>
               </a:ext>
             </a:extLst>
           </p:cNvPr>
@@ -642,7 +642,7 @@
           <p:cNvPr id="4" name="日期占位符 3">
             <a:extLst>
               <a:ext uri="{FF2B5EF4-FFF2-40B4-BE49-F238E27FC236}">
-                <a16:creationId xmlns:a16="http://schemas.microsoft.com/office/drawing/2014/main" id="{CEDA0A39-6269-A0D9-F4E9-5D27AB7E24AF}"/>
+                <a16:creationId xmlns:a16="http://schemas.microsoft.com/office/drawing/2014/main" id="{0915A9C5-659F-1DE2-FF8F-771373E000BE}"/>
               </a:ext>
             </a:extLst>
           </p:cNvPr>
@@ -658,7 +658,7 @@
           <a:bodyPr/>
           <a:lstStyle/>
           <a:p>
-            <a:fld id="{D8922241-0B8A-4D5E-A0F3-18E1C0800680}" type="datetimeFigureOut">
+            <a:fld id="{07F4F346-8C64-40FC-8F52-E6FCA06FD8F0}" type="datetimeFigureOut">
               <a:rPr lang="zh-CN" altLang="en-US" smtClean="0"/>
               <a:t>2024/3/10</a:t>
             </a:fld>
@@ -671,7 +671,7 @@
           <p:cNvPr id="5" name="页脚占位符 4">
             <a:extLst>
               <a:ext uri="{FF2B5EF4-FFF2-40B4-BE49-F238E27FC236}">
-                <a16:creationId xmlns:a16="http://schemas.microsoft.com/office/drawing/2014/main" id="{D7179E7B-3A17-E808-DF6F-56A26F914591}"/>
+                <a16:creationId xmlns:a16="http://schemas.microsoft.com/office/drawing/2014/main" id="{AD67AD4B-0AE8-F89F-349E-C873F3877F34}"/>
               </a:ext>
             </a:extLst>
           </p:cNvPr>
@@ -696,7 +696,7 @@
           <p:cNvPr id="6" name="灯片编号占位符 5">
             <a:extLst>
               <a:ext uri="{FF2B5EF4-FFF2-40B4-BE49-F238E27FC236}">
-                <a16:creationId xmlns:a16="http://schemas.microsoft.com/office/drawing/2014/main" id="{D32010DE-B8C5-A239-874C-3D3CF1AAC30E}"/>
+                <a16:creationId xmlns:a16="http://schemas.microsoft.com/office/drawing/2014/main" id="{ACBDB369-F9D0-DEBA-7955-8EB923E799F2}"/>
               </a:ext>
             </a:extLst>
           </p:cNvPr>
@@ -712,7 +712,7 @@
           <a:bodyPr/>
           <a:lstStyle/>
           <a:p>
-            <a:fld id="{037B7BC9-61D7-4834-A552-F403A9EEA34C}" type="slidenum">
+            <a:fld id="{70EA9478-A44A-44E4-A3A1-05D0C1EA4E94}" type="slidenum">
               <a:rPr lang="zh-CN" altLang="en-US" smtClean="0"/>
               <a:t>‹#›</a:t>
             </a:fld>
@@ -723,7 +723,7 @@
     </p:spTree>
     <p:extLst>
       <p:ext uri="{BB962C8B-B14F-4D97-AF65-F5344CB8AC3E}">
-        <p14:creationId xmlns:p14="http://schemas.microsoft.com/office/powerpoint/2010/main" val="1091432530"/>
+        <p14:creationId xmlns:p14="http://schemas.microsoft.com/office/powerpoint/2010/main" val="2649717815"/>
       </p:ext>
     </p:extLst>
   </p:cSld>
@@ -755,7 +755,7 @@
           <p:cNvPr id="2" name="标题 1">
             <a:extLst>
               <a:ext uri="{FF2B5EF4-FFF2-40B4-BE49-F238E27FC236}">
-                <a16:creationId xmlns:a16="http://schemas.microsoft.com/office/drawing/2014/main" id="{1884CDFE-AF8D-36F5-F845-9BB52BD77A22}"/>
+                <a16:creationId xmlns:a16="http://schemas.microsoft.com/office/drawing/2014/main" id="{83E4A862-096E-6F4A-7AAA-FE0D9299832B}"/>
               </a:ext>
             </a:extLst>
           </p:cNvPr>
@@ -783,7 +783,7 @@
           <p:cNvPr id="3" name="内容占位符 2">
             <a:extLst>
               <a:ext uri="{FF2B5EF4-FFF2-40B4-BE49-F238E27FC236}">
-                <a16:creationId xmlns:a16="http://schemas.microsoft.com/office/drawing/2014/main" id="{C163E88B-7EEA-3833-4A1D-EDFCE0B9352B}"/>
+                <a16:creationId xmlns:a16="http://schemas.microsoft.com/office/drawing/2014/main" id="{E5536BC4-2035-AF9A-0507-7D06A595CC3C}"/>
               </a:ext>
             </a:extLst>
           </p:cNvPr>
@@ -840,7 +840,7 @@
           <p:cNvPr id="4" name="日期占位符 3">
             <a:extLst>
               <a:ext uri="{FF2B5EF4-FFF2-40B4-BE49-F238E27FC236}">
-                <a16:creationId xmlns:a16="http://schemas.microsoft.com/office/drawing/2014/main" id="{08F77FDB-EA6C-9BBB-1EDF-5DB0DA6EB428}"/>
+                <a16:creationId xmlns:a16="http://schemas.microsoft.com/office/drawing/2014/main" id="{BDEE05AF-743C-996B-DD74-8BD6976E0889}"/>
               </a:ext>
             </a:extLst>
           </p:cNvPr>
@@ -856,7 +856,7 @@
           <a:bodyPr/>
           <a:lstStyle/>
           <a:p>
-            <a:fld id="{D8922241-0B8A-4D5E-A0F3-18E1C0800680}" type="datetimeFigureOut">
+            <a:fld id="{07F4F346-8C64-40FC-8F52-E6FCA06FD8F0}" type="datetimeFigureOut">
               <a:rPr lang="zh-CN" altLang="en-US" smtClean="0"/>
               <a:t>2024/3/10</a:t>
             </a:fld>
@@ -869,7 +869,7 @@
           <p:cNvPr id="5" name="页脚占位符 4">
             <a:extLst>
               <a:ext uri="{FF2B5EF4-FFF2-40B4-BE49-F238E27FC236}">
-                <a16:creationId xmlns:a16="http://schemas.microsoft.com/office/drawing/2014/main" id="{FB11C505-314F-C319-ECA9-D423669DF700}"/>
+                <a16:creationId xmlns:a16="http://schemas.microsoft.com/office/drawing/2014/main" id="{9F9DF80F-D284-C631-6025-E50B7DAABC32}"/>
               </a:ext>
             </a:extLst>
           </p:cNvPr>
@@ -894,7 +894,7 @@
           <p:cNvPr id="6" name="灯片编号占位符 5">
             <a:extLst>
               <a:ext uri="{FF2B5EF4-FFF2-40B4-BE49-F238E27FC236}">
-                <a16:creationId xmlns:a16="http://schemas.microsoft.com/office/drawing/2014/main" id="{70AF88FF-FD2D-A5D1-82D8-0E0F15195972}"/>
+                <a16:creationId xmlns:a16="http://schemas.microsoft.com/office/drawing/2014/main" id="{3DC388D9-7E76-E6ED-443E-3EDA0D6D7ACB}"/>
               </a:ext>
             </a:extLst>
           </p:cNvPr>
@@ -910,7 +910,7 @@
           <a:bodyPr/>
           <a:lstStyle/>
           <a:p>
-            <a:fld id="{037B7BC9-61D7-4834-A552-F403A9EEA34C}" type="slidenum">
+            <a:fld id="{70EA9478-A44A-44E4-A3A1-05D0C1EA4E94}" type="slidenum">
               <a:rPr lang="zh-CN" altLang="en-US" smtClean="0"/>
               <a:t>‹#›</a:t>
             </a:fld>
@@ -921,7 +921,7 @@
     </p:spTree>
     <p:extLst>
       <p:ext uri="{BB962C8B-B14F-4D97-AF65-F5344CB8AC3E}">
-        <p14:creationId xmlns:p14="http://schemas.microsoft.com/office/powerpoint/2010/main" val="3390720244"/>
+        <p14:creationId xmlns:p14="http://schemas.microsoft.com/office/powerpoint/2010/main" val="669542081"/>
       </p:ext>
     </p:extLst>
   </p:cSld>
@@ -953,7 +953,7 @@
           <p:cNvPr id="2" name="标题 1">
             <a:extLst>
               <a:ext uri="{FF2B5EF4-FFF2-40B4-BE49-F238E27FC236}">
-                <a16:creationId xmlns:a16="http://schemas.microsoft.com/office/drawing/2014/main" id="{FA1FE61D-7953-1E41-D0D8-46C5D4DFC8F1}"/>
+                <a16:creationId xmlns:a16="http://schemas.microsoft.com/office/drawing/2014/main" id="{4BBBEF48-848C-FCD0-2B06-C31EB907A157}"/>
               </a:ext>
             </a:extLst>
           </p:cNvPr>
@@ -990,7 +990,7 @@
           <p:cNvPr id="3" name="文本占位符 2">
             <a:extLst>
               <a:ext uri="{FF2B5EF4-FFF2-40B4-BE49-F238E27FC236}">
-                <a16:creationId xmlns:a16="http://schemas.microsoft.com/office/drawing/2014/main" id="{28873A5D-BC34-BB1D-F03C-F89B84880419}"/>
+                <a16:creationId xmlns:a16="http://schemas.microsoft.com/office/drawing/2014/main" id="{6206E830-0C51-F11F-BD8F-8B7768981D17}"/>
               </a:ext>
             </a:extLst>
           </p:cNvPr>
@@ -1115,7 +1115,7 @@
           <p:cNvPr id="4" name="日期占位符 3">
             <a:extLst>
               <a:ext uri="{FF2B5EF4-FFF2-40B4-BE49-F238E27FC236}">
-                <a16:creationId xmlns:a16="http://schemas.microsoft.com/office/drawing/2014/main" id="{F20DF248-F75E-0419-4636-0DA65C74AB0E}"/>
+                <a16:creationId xmlns:a16="http://schemas.microsoft.com/office/drawing/2014/main" id="{0A76B4B5-1CCA-BB02-70A0-21923EFF0996}"/>
               </a:ext>
             </a:extLst>
           </p:cNvPr>
@@ -1131,7 +1131,7 @@
           <a:bodyPr/>
           <a:lstStyle/>
           <a:p>
-            <a:fld id="{D8922241-0B8A-4D5E-A0F3-18E1C0800680}" type="datetimeFigureOut">
+            <a:fld id="{07F4F346-8C64-40FC-8F52-E6FCA06FD8F0}" type="datetimeFigureOut">
               <a:rPr lang="zh-CN" altLang="en-US" smtClean="0"/>
               <a:t>2024/3/10</a:t>
             </a:fld>
@@ -1144,7 +1144,7 @@
           <p:cNvPr id="5" name="页脚占位符 4">
             <a:extLst>
               <a:ext uri="{FF2B5EF4-FFF2-40B4-BE49-F238E27FC236}">
-                <a16:creationId xmlns:a16="http://schemas.microsoft.com/office/drawing/2014/main" id="{E1D2A975-6E11-31CC-3133-BE23A6332985}"/>
+                <a16:creationId xmlns:a16="http://schemas.microsoft.com/office/drawing/2014/main" id="{8F249703-0ED9-46B6-FB73-3EC17EF43CAE}"/>
               </a:ext>
             </a:extLst>
           </p:cNvPr>
@@ -1169,7 +1169,7 @@
           <p:cNvPr id="6" name="灯片编号占位符 5">
             <a:extLst>
               <a:ext uri="{FF2B5EF4-FFF2-40B4-BE49-F238E27FC236}">
-                <a16:creationId xmlns:a16="http://schemas.microsoft.com/office/drawing/2014/main" id="{0EB08457-EEAE-DD16-AE2A-27740A59D4E9}"/>
+                <a16:creationId xmlns:a16="http://schemas.microsoft.com/office/drawing/2014/main" id="{AB6F437A-1775-66A2-7458-F4D196024121}"/>
               </a:ext>
             </a:extLst>
           </p:cNvPr>
@@ -1185,7 +1185,7 @@
           <a:bodyPr/>
           <a:lstStyle/>
           <a:p>
-            <a:fld id="{037B7BC9-61D7-4834-A552-F403A9EEA34C}" type="slidenum">
+            <a:fld id="{70EA9478-A44A-44E4-A3A1-05D0C1EA4E94}" type="slidenum">
               <a:rPr lang="zh-CN" altLang="en-US" smtClean="0"/>
               <a:t>‹#›</a:t>
             </a:fld>
@@ -1196,7 +1196,7 @@
     </p:spTree>
     <p:extLst>
       <p:ext uri="{BB962C8B-B14F-4D97-AF65-F5344CB8AC3E}">
-        <p14:creationId xmlns:p14="http://schemas.microsoft.com/office/powerpoint/2010/main" val="1660003634"/>
+        <p14:creationId xmlns:p14="http://schemas.microsoft.com/office/powerpoint/2010/main" val="3379345673"/>
       </p:ext>
     </p:extLst>
   </p:cSld>
@@ -1228,7 +1228,7 @@
           <p:cNvPr id="2" name="标题 1">
             <a:extLst>
               <a:ext uri="{FF2B5EF4-FFF2-40B4-BE49-F238E27FC236}">
-                <a16:creationId xmlns:a16="http://schemas.microsoft.com/office/drawing/2014/main" id="{FEB01036-2399-FFB7-52EE-2FFA996BA701}"/>
+                <a16:creationId xmlns:a16="http://schemas.microsoft.com/office/drawing/2014/main" id="{F10C73A3-23FD-FDCF-139F-789A3D16D910}"/>
               </a:ext>
             </a:extLst>
           </p:cNvPr>
@@ -1256,7 +1256,7 @@
           <p:cNvPr id="3" name="内容占位符 2">
             <a:extLst>
               <a:ext uri="{FF2B5EF4-FFF2-40B4-BE49-F238E27FC236}">
-                <a16:creationId xmlns:a16="http://schemas.microsoft.com/office/drawing/2014/main" id="{DBE68C81-CF41-90EB-B890-F3A54B2801CE}"/>
+                <a16:creationId xmlns:a16="http://schemas.microsoft.com/office/drawing/2014/main" id="{7A9B9D7E-E15F-F903-0E2B-B6DF436575C4}"/>
               </a:ext>
             </a:extLst>
           </p:cNvPr>
@@ -1318,7 +1318,7 @@
           <p:cNvPr id="4" name="内容占位符 3">
             <a:extLst>
               <a:ext uri="{FF2B5EF4-FFF2-40B4-BE49-F238E27FC236}">
-                <a16:creationId xmlns:a16="http://schemas.microsoft.com/office/drawing/2014/main" id="{AE8CC4E7-8DCB-83F0-8107-B463B58DF14C}"/>
+                <a16:creationId xmlns:a16="http://schemas.microsoft.com/office/drawing/2014/main" id="{00CBAD5F-7AB0-5899-99E3-200A90AD36DB}"/>
               </a:ext>
             </a:extLst>
           </p:cNvPr>
@@ -1380,7 +1380,7 @@
           <p:cNvPr id="5" name="日期占位符 4">
             <a:extLst>
               <a:ext uri="{FF2B5EF4-FFF2-40B4-BE49-F238E27FC236}">
-                <a16:creationId xmlns:a16="http://schemas.microsoft.com/office/drawing/2014/main" id="{D80E21EC-EF3B-6134-C363-FA655B3AC5EA}"/>
+                <a16:creationId xmlns:a16="http://schemas.microsoft.com/office/drawing/2014/main" id="{374847C2-F982-B13C-C7EA-753ECB1814FB}"/>
               </a:ext>
             </a:extLst>
           </p:cNvPr>
@@ -1396,7 +1396,7 @@
           <a:bodyPr/>
           <a:lstStyle/>
           <a:p>
-            <a:fld id="{D8922241-0B8A-4D5E-A0F3-18E1C0800680}" type="datetimeFigureOut">
+            <a:fld id="{07F4F346-8C64-40FC-8F52-E6FCA06FD8F0}" type="datetimeFigureOut">
               <a:rPr lang="zh-CN" altLang="en-US" smtClean="0"/>
               <a:t>2024/3/10</a:t>
             </a:fld>
@@ -1409,7 +1409,7 @@
           <p:cNvPr id="6" name="页脚占位符 5">
             <a:extLst>
               <a:ext uri="{FF2B5EF4-FFF2-40B4-BE49-F238E27FC236}">
-                <a16:creationId xmlns:a16="http://schemas.microsoft.com/office/drawing/2014/main" id="{1CE48FF9-06C5-6F30-9EF0-6D2B8D1A1707}"/>
+                <a16:creationId xmlns:a16="http://schemas.microsoft.com/office/drawing/2014/main" id="{EA9335F8-5BBB-C347-E2F9-09C2D50946E4}"/>
               </a:ext>
             </a:extLst>
           </p:cNvPr>
@@ -1434,7 +1434,7 @@
           <p:cNvPr id="7" name="灯片编号占位符 6">
             <a:extLst>
               <a:ext uri="{FF2B5EF4-FFF2-40B4-BE49-F238E27FC236}">
-                <a16:creationId xmlns:a16="http://schemas.microsoft.com/office/drawing/2014/main" id="{1DB3E04C-6770-3E9A-29F6-4D5F6B3D44A5}"/>
+                <a16:creationId xmlns:a16="http://schemas.microsoft.com/office/drawing/2014/main" id="{EE1C92A6-88D5-9979-A6ED-451680BAC3E0}"/>
               </a:ext>
             </a:extLst>
           </p:cNvPr>
@@ -1450,7 +1450,7 @@
           <a:bodyPr/>
           <a:lstStyle/>
           <a:p>
-            <a:fld id="{037B7BC9-61D7-4834-A552-F403A9EEA34C}" type="slidenum">
+            <a:fld id="{70EA9478-A44A-44E4-A3A1-05D0C1EA4E94}" type="slidenum">
               <a:rPr lang="zh-CN" altLang="en-US" smtClean="0"/>
               <a:t>‹#›</a:t>
             </a:fld>
@@ -1461,7 +1461,7 @@
     </p:spTree>
     <p:extLst>
       <p:ext uri="{BB962C8B-B14F-4D97-AF65-F5344CB8AC3E}">
-        <p14:creationId xmlns:p14="http://schemas.microsoft.com/office/powerpoint/2010/main" val="3638465789"/>
+        <p14:creationId xmlns:p14="http://schemas.microsoft.com/office/powerpoint/2010/main" val="306967740"/>
       </p:ext>
     </p:extLst>
   </p:cSld>
@@ -1493,7 +1493,7 @@
           <p:cNvPr id="2" name="标题 1">
             <a:extLst>
               <a:ext uri="{FF2B5EF4-FFF2-40B4-BE49-F238E27FC236}">
-                <a16:creationId xmlns:a16="http://schemas.microsoft.com/office/drawing/2014/main" id="{6F20CCD9-EEA1-61E6-1390-0CDAEF5139EC}"/>
+                <a16:creationId xmlns:a16="http://schemas.microsoft.com/office/drawing/2014/main" id="{D052DD19-C4A4-F487-2A76-B52BFF1D73DB}"/>
               </a:ext>
             </a:extLst>
           </p:cNvPr>
@@ -1526,7 +1526,7 @@
           <p:cNvPr id="3" name="文本占位符 2">
             <a:extLst>
               <a:ext uri="{FF2B5EF4-FFF2-40B4-BE49-F238E27FC236}">
-                <a16:creationId xmlns:a16="http://schemas.microsoft.com/office/drawing/2014/main" id="{5F50B973-5F63-E03C-B6E6-0998374D1F95}"/>
+                <a16:creationId xmlns:a16="http://schemas.microsoft.com/office/drawing/2014/main" id="{1EFA0EEA-4FBB-5CFF-DCEA-972312156F58}"/>
               </a:ext>
             </a:extLst>
           </p:cNvPr>
@@ -1597,7 +1597,7 @@
           <p:cNvPr id="4" name="内容占位符 3">
             <a:extLst>
               <a:ext uri="{FF2B5EF4-FFF2-40B4-BE49-F238E27FC236}">
-                <a16:creationId xmlns:a16="http://schemas.microsoft.com/office/drawing/2014/main" id="{EB2BE352-864C-E423-C870-1719334D24AD}"/>
+                <a16:creationId xmlns:a16="http://schemas.microsoft.com/office/drawing/2014/main" id="{D404AF1F-FBCF-6CE0-BCF5-55AC64BE3FB3}"/>
               </a:ext>
             </a:extLst>
           </p:cNvPr>
@@ -1659,7 +1659,7 @@
           <p:cNvPr id="5" name="文本占位符 4">
             <a:extLst>
               <a:ext uri="{FF2B5EF4-FFF2-40B4-BE49-F238E27FC236}">
-                <a16:creationId xmlns:a16="http://schemas.microsoft.com/office/drawing/2014/main" id="{6B27F9D6-8FD6-FE75-E3BB-D587E8F30621}"/>
+                <a16:creationId xmlns:a16="http://schemas.microsoft.com/office/drawing/2014/main" id="{BAB75CEA-50ED-DEED-1C13-CFB7EC23E0CC}"/>
               </a:ext>
             </a:extLst>
           </p:cNvPr>
@@ -1730,7 +1730,7 @@
           <p:cNvPr id="6" name="内容占位符 5">
             <a:extLst>
               <a:ext uri="{FF2B5EF4-FFF2-40B4-BE49-F238E27FC236}">
-                <a16:creationId xmlns:a16="http://schemas.microsoft.com/office/drawing/2014/main" id="{2A076463-4CC4-3906-4036-4115259501AF}"/>
+                <a16:creationId xmlns:a16="http://schemas.microsoft.com/office/drawing/2014/main" id="{8841714E-07E2-1B90-BE2D-B1B9250AB3F5}"/>
               </a:ext>
             </a:extLst>
           </p:cNvPr>
@@ -1792,7 +1792,7 @@
           <p:cNvPr id="7" name="日期占位符 6">
             <a:extLst>
               <a:ext uri="{FF2B5EF4-FFF2-40B4-BE49-F238E27FC236}">
-                <a16:creationId xmlns:a16="http://schemas.microsoft.com/office/drawing/2014/main" id="{E65B9F4B-12AF-D078-79AA-0DD74F6473B2}"/>
+                <a16:creationId xmlns:a16="http://schemas.microsoft.com/office/drawing/2014/main" id="{18571DE7-DE9E-7E44-8BDA-FC2AD5B76002}"/>
               </a:ext>
             </a:extLst>
           </p:cNvPr>
@@ -1808,7 +1808,7 @@
           <a:bodyPr/>
           <a:lstStyle/>
           <a:p>
-            <a:fld id="{D8922241-0B8A-4D5E-A0F3-18E1C0800680}" type="datetimeFigureOut">
+            <a:fld id="{07F4F346-8C64-40FC-8F52-E6FCA06FD8F0}" type="datetimeFigureOut">
               <a:rPr lang="zh-CN" altLang="en-US" smtClean="0"/>
               <a:t>2024/3/10</a:t>
             </a:fld>
@@ -1821,7 +1821,7 @@
           <p:cNvPr id="8" name="页脚占位符 7">
             <a:extLst>
               <a:ext uri="{FF2B5EF4-FFF2-40B4-BE49-F238E27FC236}">
-                <a16:creationId xmlns:a16="http://schemas.microsoft.com/office/drawing/2014/main" id="{AB443C1A-1214-6815-AB36-6075FA0D14B2}"/>
+                <a16:creationId xmlns:a16="http://schemas.microsoft.com/office/drawing/2014/main" id="{75BB3405-87F8-5FF8-9B50-055FB93C5921}"/>
               </a:ext>
             </a:extLst>
           </p:cNvPr>
@@ -1846,7 +1846,7 @@
           <p:cNvPr id="9" name="灯片编号占位符 8">
             <a:extLst>
               <a:ext uri="{FF2B5EF4-FFF2-40B4-BE49-F238E27FC236}">
-                <a16:creationId xmlns:a16="http://schemas.microsoft.com/office/drawing/2014/main" id="{21664D4C-C1E1-EBB4-2C75-C8B8AF176CFC}"/>
+                <a16:creationId xmlns:a16="http://schemas.microsoft.com/office/drawing/2014/main" id="{2815C84D-BBD0-18BE-C9BA-7FCA789B9F7D}"/>
               </a:ext>
             </a:extLst>
           </p:cNvPr>
@@ -1862,7 +1862,7 @@
           <a:bodyPr/>
           <a:lstStyle/>
           <a:p>
-            <a:fld id="{037B7BC9-61D7-4834-A552-F403A9EEA34C}" type="slidenum">
+            <a:fld id="{70EA9478-A44A-44E4-A3A1-05D0C1EA4E94}" type="slidenum">
               <a:rPr lang="zh-CN" altLang="en-US" smtClean="0"/>
               <a:t>‹#›</a:t>
             </a:fld>
@@ -1873,7 +1873,7 @@
     </p:spTree>
     <p:extLst>
       <p:ext uri="{BB962C8B-B14F-4D97-AF65-F5344CB8AC3E}">
-        <p14:creationId xmlns:p14="http://schemas.microsoft.com/office/powerpoint/2010/main" val="962194663"/>
+        <p14:creationId xmlns:p14="http://schemas.microsoft.com/office/powerpoint/2010/main" val="4002281884"/>
       </p:ext>
     </p:extLst>
   </p:cSld>
@@ -1905,7 +1905,7 @@
           <p:cNvPr id="2" name="标题 1">
             <a:extLst>
               <a:ext uri="{FF2B5EF4-FFF2-40B4-BE49-F238E27FC236}">
-                <a16:creationId xmlns:a16="http://schemas.microsoft.com/office/drawing/2014/main" id="{07A162EB-734E-FE50-7062-847708A4A35F}"/>
+                <a16:creationId xmlns:a16="http://schemas.microsoft.com/office/drawing/2014/main" id="{EE57F0C0-A1C6-26A4-37BD-4D7B7D5F017E}"/>
               </a:ext>
             </a:extLst>
           </p:cNvPr>
@@ -1933,7 +1933,7 @@
           <p:cNvPr id="3" name="日期占位符 2">
             <a:extLst>
               <a:ext uri="{FF2B5EF4-FFF2-40B4-BE49-F238E27FC236}">
-                <a16:creationId xmlns:a16="http://schemas.microsoft.com/office/drawing/2014/main" id="{203589A2-3844-4D2C-929E-E063B12138DB}"/>
+                <a16:creationId xmlns:a16="http://schemas.microsoft.com/office/drawing/2014/main" id="{D610DB9F-D6AE-4135-5255-7A4221DFCDCD}"/>
               </a:ext>
             </a:extLst>
           </p:cNvPr>
@@ -1949,7 +1949,7 @@
           <a:bodyPr/>
           <a:lstStyle/>
           <a:p>
-            <a:fld id="{D8922241-0B8A-4D5E-A0F3-18E1C0800680}" type="datetimeFigureOut">
+            <a:fld id="{07F4F346-8C64-40FC-8F52-E6FCA06FD8F0}" type="datetimeFigureOut">
               <a:rPr lang="zh-CN" altLang="en-US" smtClean="0"/>
               <a:t>2024/3/10</a:t>
             </a:fld>
@@ -1962,7 +1962,7 @@
           <p:cNvPr id="4" name="页脚占位符 3">
             <a:extLst>
               <a:ext uri="{FF2B5EF4-FFF2-40B4-BE49-F238E27FC236}">
-                <a16:creationId xmlns:a16="http://schemas.microsoft.com/office/drawing/2014/main" id="{2277ECD3-AFDA-4007-D808-A3E0557F47BC}"/>
+                <a16:creationId xmlns:a16="http://schemas.microsoft.com/office/drawing/2014/main" id="{B8A4723A-CC84-3EAB-3787-8C028AEE7617}"/>
               </a:ext>
             </a:extLst>
           </p:cNvPr>
@@ -1987,7 +1987,7 @@
           <p:cNvPr id="5" name="灯片编号占位符 4">
             <a:extLst>
               <a:ext uri="{FF2B5EF4-FFF2-40B4-BE49-F238E27FC236}">
-                <a16:creationId xmlns:a16="http://schemas.microsoft.com/office/drawing/2014/main" id="{7983A9F9-968C-0C79-67EA-3E2E3B22D0BA}"/>
+                <a16:creationId xmlns:a16="http://schemas.microsoft.com/office/drawing/2014/main" id="{85554EE2-909B-117A-B6C9-4B89DCC62E78}"/>
               </a:ext>
             </a:extLst>
           </p:cNvPr>
@@ -2003,7 +2003,7 @@
           <a:bodyPr/>
           <a:lstStyle/>
           <a:p>
-            <a:fld id="{037B7BC9-61D7-4834-A552-F403A9EEA34C}" type="slidenum">
+            <a:fld id="{70EA9478-A44A-44E4-A3A1-05D0C1EA4E94}" type="slidenum">
               <a:rPr lang="zh-CN" altLang="en-US" smtClean="0"/>
               <a:t>‹#›</a:t>
             </a:fld>
@@ -2014,7 +2014,7 @@
     </p:spTree>
     <p:extLst>
       <p:ext uri="{BB962C8B-B14F-4D97-AF65-F5344CB8AC3E}">
-        <p14:creationId xmlns:p14="http://schemas.microsoft.com/office/powerpoint/2010/main" val="1871578994"/>
+        <p14:creationId xmlns:p14="http://schemas.microsoft.com/office/powerpoint/2010/main" val="4243083637"/>
       </p:ext>
     </p:extLst>
   </p:cSld>
@@ -2046,7 +2046,7 @@
           <p:cNvPr id="2" name="日期占位符 1">
             <a:extLst>
               <a:ext uri="{FF2B5EF4-FFF2-40B4-BE49-F238E27FC236}">
-                <a16:creationId xmlns:a16="http://schemas.microsoft.com/office/drawing/2014/main" id="{9E254F10-F23D-AB2E-1379-24075DAB0345}"/>
+                <a16:creationId xmlns:a16="http://schemas.microsoft.com/office/drawing/2014/main" id="{86C04ADB-34B4-3782-8649-9074DC538311}"/>
               </a:ext>
             </a:extLst>
           </p:cNvPr>
@@ -2062,7 +2062,7 @@
           <a:bodyPr/>
           <a:lstStyle/>
           <a:p>
-            <a:fld id="{D8922241-0B8A-4D5E-A0F3-18E1C0800680}" type="datetimeFigureOut">
+            <a:fld id="{07F4F346-8C64-40FC-8F52-E6FCA06FD8F0}" type="datetimeFigureOut">
               <a:rPr lang="zh-CN" altLang="en-US" smtClean="0"/>
               <a:t>2024/3/10</a:t>
             </a:fld>
@@ -2075,7 +2075,7 @@
           <p:cNvPr id="3" name="页脚占位符 2">
             <a:extLst>
               <a:ext uri="{FF2B5EF4-FFF2-40B4-BE49-F238E27FC236}">
-                <a16:creationId xmlns:a16="http://schemas.microsoft.com/office/drawing/2014/main" id="{726B2D67-0776-77A8-4418-9574CA95A0F0}"/>
+                <a16:creationId xmlns:a16="http://schemas.microsoft.com/office/drawing/2014/main" id="{2DAACF30-0834-6585-7E13-879B9405DF47}"/>
               </a:ext>
             </a:extLst>
           </p:cNvPr>
@@ -2100,7 +2100,7 @@
           <p:cNvPr id="4" name="灯片编号占位符 3">
             <a:extLst>
               <a:ext uri="{FF2B5EF4-FFF2-40B4-BE49-F238E27FC236}">
-                <a16:creationId xmlns:a16="http://schemas.microsoft.com/office/drawing/2014/main" id="{4B57B503-52B2-A334-FACD-2CF7E7EFE587}"/>
+                <a16:creationId xmlns:a16="http://schemas.microsoft.com/office/drawing/2014/main" id="{4C629DB4-5FF3-B5BC-DBF1-DF898FCC7163}"/>
               </a:ext>
             </a:extLst>
           </p:cNvPr>
@@ -2116,7 +2116,7 @@
           <a:bodyPr/>
           <a:lstStyle/>
           <a:p>
-            <a:fld id="{037B7BC9-61D7-4834-A552-F403A9EEA34C}" type="slidenum">
+            <a:fld id="{70EA9478-A44A-44E4-A3A1-05D0C1EA4E94}" type="slidenum">
               <a:rPr lang="zh-CN" altLang="en-US" smtClean="0"/>
               <a:t>‹#›</a:t>
             </a:fld>
@@ -2127,7 +2127,7 @@
     </p:spTree>
     <p:extLst>
       <p:ext uri="{BB962C8B-B14F-4D97-AF65-F5344CB8AC3E}">
-        <p14:creationId xmlns:p14="http://schemas.microsoft.com/office/powerpoint/2010/main" val="1206753212"/>
+        <p14:creationId xmlns:p14="http://schemas.microsoft.com/office/powerpoint/2010/main" val="649034541"/>
       </p:ext>
     </p:extLst>
   </p:cSld>
@@ -2159,7 +2159,7 @@
           <p:cNvPr id="2" name="标题 1">
             <a:extLst>
               <a:ext uri="{FF2B5EF4-FFF2-40B4-BE49-F238E27FC236}">
-                <a16:creationId xmlns:a16="http://schemas.microsoft.com/office/drawing/2014/main" id="{2FD901E3-898D-AD22-EE85-8144AF02EAC3}"/>
+                <a16:creationId xmlns:a16="http://schemas.microsoft.com/office/drawing/2014/main" id="{4BA7E5A8-FDFB-673C-1484-2F262FC12554}"/>
               </a:ext>
             </a:extLst>
           </p:cNvPr>
@@ -2196,7 +2196,7 @@
           <p:cNvPr id="3" name="内容占位符 2">
             <a:extLst>
               <a:ext uri="{FF2B5EF4-FFF2-40B4-BE49-F238E27FC236}">
-                <a16:creationId xmlns:a16="http://schemas.microsoft.com/office/drawing/2014/main" id="{B8F971F6-8261-301A-5077-191F370C1201}"/>
+                <a16:creationId xmlns:a16="http://schemas.microsoft.com/office/drawing/2014/main" id="{72A9D3BA-498A-DD1D-2F54-ADAED3E4CF37}"/>
               </a:ext>
             </a:extLst>
           </p:cNvPr>
@@ -2286,7 +2286,7 @@
           <p:cNvPr id="4" name="文本占位符 3">
             <a:extLst>
               <a:ext uri="{FF2B5EF4-FFF2-40B4-BE49-F238E27FC236}">
-                <a16:creationId xmlns:a16="http://schemas.microsoft.com/office/drawing/2014/main" id="{D98DE987-3E6A-6EA4-0935-6B248DF63B97}"/>
+                <a16:creationId xmlns:a16="http://schemas.microsoft.com/office/drawing/2014/main" id="{C4538778-1FE0-C84F-BDDA-CAF3F08257CF}"/>
               </a:ext>
             </a:extLst>
           </p:cNvPr>
@@ -2357,7 +2357,7 @@
           <p:cNvPr id="5" name="日期占位符 4">
             <a:extLst>
               <a:ext uri="{FF2B5EF4-FFF2-40B4-BE49-F238E27FC236}">
-                <a16:creationId xmlns:a16="http://schemas.microsoft.com/office/drawing/2014/main" id="{4F959F5E-8EBF-1B8B-ED99-EBF38E1BAD02}"/>
+                <a16:creationId xmlns:a16="http://schemas.microsoft.com/office/drawing/2014/main" id="{496F7950-FBD6-54EA-3A89-3936E9189175}"/>
               </a:ext>
             </a:extLst>
           </p:cNvPr>
@@ -2373,7 +2373,7 @@
           <a:bodyPr/>
           <a:lstStyle/>
           <a:p>
-            <a:fld id="{D8922241-0B8A-4D5E-A0F3-18E1C0800680}" type="datetimeFigureOut">
+            <a:fld id="{07F4F346-8C64-40FC-8F52-E6FCA06FD8F0}" type="datetimeFigureOut">
               <a:rPr lang="zh-CN" altLang="en-US" smtClean="0"/>
               <a:t>2024/3/10</a:t>
             </a:fld>
@@ -2386,7 +2386,7 @@
           <p:cNvPr id="6" name="页脚占位符 5">
             <a:extLst>
               <a:ext uri="{FF2B5EF4-FFF2-40B4-BE49-F238E27FC236}">
-                <a16:creationId xmlns:a16="http://schemas.microsoft.com/office/drawing/2014/main" id="{3B438C9E-882E-CF69-7217-A65CE07B4489}"/>
+                <a16:creationId xmlns:a16="http://schemas.microsoft.com/office/drawing/2014/main" id="{F6D07A7A-491B-E4EB-6E77-8687D567047C}"/>
               </a:ext>
             </a:extLst>
           </p:cNvPr>
@@ -2411,7 +2411,7 @@
           <p:cNvPr id="7" name="灯片编号占位符 6">
             <a:extLst>
               <a:ext uri="{FF2B5EF4-FFF2-40B4-BE49-F238E27FC236}">
-                <a16:creationId xmlns:a16="http://schemas.microsoft.com/office/drawing/2014/main" id="{F5CD611A-932A-F154-AE4A-46A53ADA83C7}"/>
+                <a16:creationId xmlns:a16="http://schemas.microsoft.com/office/drawing/2014/main" id="{F9E0406E-88F7-BCCA-6614-408773B10640}"/>
               </a:ext>
             </a:extLst>
           </p:cNvPr>
@@ -2427,7 +2427,7 @@
           <a:bodyPr/>
           <a:lstStyle/>
           <a:p>
-            <a:fld id="{037B7BC9-61D7-4834-A552-F403A9EEA34C}" type="slidenum">
+            <a:fld id="{70EA9478-A44A-44E4-A3A1-05D0C1EA4E94}" type="slidenum">
               <a:rPr lang="zh-CN" altLang="en-US" smtClean="0"/>
               <a:t>‹#›</a:t>
             </a:fld>
@@ -2438,7 +2438,7 @@
     </p:spTree>
     <p:extLst>
       <p:ext uri="{BB962C8B-B14F-4D97-AF65-F5344CB8AC3E}">
-        <p14:creationId xmlns:p14="http://schemas.microsoft.com/office/powerpoint/2010/main" val="415499475"/>
+        <p14:creationId xmlns:p14="http://schemas.microsoft.com/office/powerpoint/2010/main" val="739804397"/>
       </p:ext>
     </p:extLst>
   </p:cSld>
@@ -2470,7 +2470,7 @@
           <p:cNvPr id="2" name="标题 1">
             <a:extLst>
               <a:ext uri="{FF2B5EF4-FFF2-40B4-BE49-F238E27FC236}">
-                <a16:creationId xmlns:a16="http://schemas.microsoft.com/office/drawing/2014/main" id="{DBAE2AA6-B35F-D753-62C0-11AD22194498}"/>
+                <a16:creationId xmlns:a16="http://schemas.microsoft.com/office/drawing/2014/main" id="{38011308-6ED4-A7C1-A16A-AF3643787BA3}"/>
               </a:ext>
             </a:extLst>
           </p:cNvPr>
@@ -2507,7 +2507,7 @@
           <p:cNvPr id="3" name="图片占位符 2">
             <a:extLst>
               <a:ext uri="{FF2B5EF4-FFF2-40B4-BE49-F238E27FC236}">
-                <a16:creationId xmlns:a16="http://schemas.microsoft.com/office/drawing/2014/main" id="{3B76F7A2-89B9-AF39-5908-F66C0401A77E}"/>
+                <a16:creationId xmlns:a16="http://schemas.microsoft.com/office/drawing/2014/main" id="{6A035C40-A0A0-1FC7-DA6B-CC0236AB8FA5}"/>
               </a:ext>
             </a:extLst>
           </p:cNvPr>
@@ -2574,7 +2574,7 @@
           <p:cNvPr id="4" name="文本占位符 3">
             <a:extLst>
               <a:ext uri="{FF2B5EF4-FFF2-40B4-BE49-F238E27FC236}">
-                <a16:creationId xmlns:a16="http://schemas.microsoft.com/office/drawing/2014/main" id="{0EA0A5F8-1EF7-3F98-39E4-875F2A796A57}"/>
+                <a16:creationId xmlns:a16="http://schemas.microsoft.com/office/drawing/2014/main" id="{8CDAA217-2EA7-BF28-63A4-A500D0B3583B}"/>
               </a:ext>
             </a:extLst>
           </p:cNvPr>
@@ -2645,7 +2645,7 @@
           <p:cNvPr id="5" name="日期占位符 4">
             <a:extLst>
               <a:ext uri="{FF2B5EF4-FFF2-40B4-BE49-F238E27FC236}">
-                <a16:creationId xmlns:a16="http://schemas.microsoft.com/office/drawing/2014/main" id="{707C7316-D0C9-8D21-2EAB-A4775F639FC9}"/>
+                <a16:creationId xmlns:a16="http://schemas.microsoft.com/office/drawing/2014/main" id="{DFAAB2EF-7F9E-067F-2FF7-BD4100800669}"/>
               </a:ext>
             </a:extLst>
           </p:cNvPr>
@@ -2661,7 +2661,7 @@
           <a:bodyPr/>
           <a:lstStyle/>
           <a:p>
-            <a:fld id="{D8922241-0B8A-4D5E-A0F3-18E1C0800680}" type="datetimeFigureOut">
+            <a:fld id="{07F4F346-8C64-40FC-8F52-E6FCA06FD8F0}" type="datetimeFigureOut">
               <a:rPr lang="zh-CN" altLang="en-US" smtClean="0"/>
               <a:t>2024/3/10</a:t>
             </a:fld>
@@ -2674,7 +2674,7 @@
           <p:cNvPr id="6" name="页脚占位符 5">
             <a:extLst>
               <a:ext uri="{FF2B5EF4-FFF2-40B4-BE49-F238E27FC236}">
-                <a16:creationId xmlns:a16="http://schemas.microsoft.com/office/drawing/2014/main" id="{D103ADE9-9881-C0D9-858F-D2D5A43152E2}"/>
+                <a16:creationId xmlns:a16="http://schemas.microsoft.com/office/drawing/2014/main" id="{562602C3-BC9E-8AC3-725B-8CF63B56FAF2}"/>
               </a:ext>
             </a:extLst>
           </p:cNvPr>
@@ -2699,7 +2699,7 @@
           <p:cNvPr id="7" name="灯片编号占位符 6">
             <a:extLst>
               <a:ext uri="{FF2B5EF4-FFF2-40B4-BE49-F238E27FC236}">
-                <a16:creationId xmlns:a16="http://schemas.microsoft.com/office/drawing/2014/main" id="{70CA623D-A171-F9CF-0A9F-B44306460290}"/>
+                <a16:creationId xmlns:a16="http://schemas.microsoft.com/office/drawing/2014/main" id="{A235A665-0649-ECE2-8A14-D314FDC27DB6}"/>
               </a:ext>
             </a:extLst>
           </p:cNvPr>
@@ -2715,7 +2715,7 @@
           <a:bodyPr/>
           <a:lstStyle/>
           <a:p>
-            <a:fld id="{037B7BC9-61D7-4834-A552-F403A9EEA34C}" type="slidenum">
+            <a:fld id="{70EA9478-A44A-44E4-A3A1-05D0C1EA4E94}" type="slidenum">
               <a:rPr lang="zh-CN" altLang="en-US" smtClean="0"/>
               <a:t>‹#›</a:t>
             </a:fld>
@@ -2726,7 +2726,7 @@
     </p:spTree>
     <p:extLst>
       <p:ext uri="{BB962C8B-B14F-4D97-AF65-F5344CB8AC3E}">
-        <p14:creationId xmlns:p14="http://schemas.microsoft.com/office/powerpoint/2010/main" val="302173833"/>
+        <p14:creationId xmlns:p14="http://schemas.microsoft.com/office/powerpoint/2010/main" val="1709050949"/>
       </p:ext>
     </p:extLst>
   </p:cSld>
@@ -2763,7 +2763,7 @@
           <p:cNvPr id="2" name="标题占位符 1">
             <a:extLst>
               <a:ext uri="{FF2B5EF4-FFF2-40B4-BE49-F238E27FC236}">
-                <a16:creationId xmlns:a16="http://schemas.microsoft.com/office/drawing/2014/main" id="{6A850FF6-1445-D8B6-553C-D38B649AAEB3}"/>
+                <a16:creationId xmlns:a16="http://schemas.microsoft.com/office/drawing/2014/main" id="{493E66CC-6701-9F8C-D9BE-D2A9E1BD893E}"/>
               </a:ext>
             </a:extLst>
           </p:cNvPr>
@@ -2801,7 +2801,7 @@
           <p:cNvPr id="3" name="文本占位符 2">
             <a:extLst>
               <a:ext uri="{FF2B5EF4-FFF2-40B4-BE49-F238E27FC236}">
-                <a16:creationId xmlns:a16="http://schemas.microsoft.com/office/drawing/2014/main" id="{2611A368-CD15-468F-CAA7-49416AA40F3A}"/>
+                <a16:creationId xmlns:a16="http://schemas.microsoft.com/office/drawing/2014/main" id="{156BA561-4D12-5A01-D32F-5082F17567F4}"/>
               </a:ext>
             </a:extLst>
           </p:cNvPr>
@@ -2868,7 +2868,7 @@
           <p:cNvPr id="4" name="日期占位符 3">
             <a:extLst>
               <a:ext uri="{FF2B5EF4-FFF2-40B4-BE49-F238E27FC236}">
-                <a16:creationId xmlns:a16="http://schemas.microsoft.com/office/drawing/2014/main" id="{886FC360-80B5-70E8-42EC-8A4005E499E5}"/>
+                <a16:creationId xmlns:a16="http://schemas.microsoft.com/office/drawing/2014/main" id="{4416FB3A-9D22-B0AE-43F0-EB848614DC73}"/>
               </a:ext>
             </a:extLst>
           </p:cNvPr>
@@ -2902,7 +2902,7 @@
             </a:lvl1pPr>
           </a:lstStyle>
           <a:p>
-            <a:fld id="{D8922241-0B8A-4D5E-A0F3-18E1C0800680}" type="datetimeFigureOut">
+            <a:fld id="{07F4F346-8C64-40FC-8F52-E6FCA06FD8F0}" type="datetimeFigureOut">
               <a:rPr lang="zh-CN" altLang="en-US" smtClean="0"/>
               <a:t>2024/3/10</a:t>
             </a:fld>
@@ -2915,7 +2915,7 @@
           <p:cNvPr id="5" name="页脚占位符 4">
             <a:extLst>
               <a:ext uri="{FF2B5EF4-FFF2-40B4-BE49-F238E27FC236}">
-                <a16:creationId xmlns:a16="http://schemas.microsoft.com/office/drawing/2014/main" id="{22D59AB5-E49E-5D9D-0FC7-3A04612D2626}"/>
+                <a16:creationId xmlns:a16="http://schemas.microsoft.com/office/drawing/2014/main" id="{643C045D-248D-F04B-F45F-655B64196A21}"/>
               </a:ext>
             </a:extLst>
           </p:cNvPr>
@@ -2958,7 +2958,7 @@
           <p:cNvPr id="6" name="灯片编号占位符 5">
             <a:extLst>
               <a:ext uri="{FF2B5EF4-FFF2-40B4-BE49-F238E27FC236}">
-                <a16:creationId xmlns:a16="http://schemas.microsoft.com/office/drawing/2014/main" id="{6D4A1539-F60F-7D0C-86B5-6497D31D2CC1}"/>
+                <a16:creationId xmlns:a16="http://schemas.microsoft.com/office/drawing/2014/main" id="{B635A85B-658F-2915-2CFC-607BCF34F9CC}"/>
               </a:ext>
             </a:extLst>
           </p:cNvPr>
@@ -2992,7 +2992,7 @@
             </a:lvl1pPr>
           </a:lstStyle>
           <a:p>
-            <a:fld id="{037B7BC9-61D7-4834-A552-F403A9EEA34C}" type="slidenum">
+            <a:fld id="{70EA9478-A44A-44E4-A3A1-05D0C1EA4E94}" type="slidenum">
               <a:rPr lang="zh-CN" altLang="en-US" smtClean="0"/>
               <a:t>‹#›</a:t>
             </a:fld>
@@ -3003,7 +3003,7 @@
     </p:spTree>
     <p:extLst>
       <p:ext uri="{BB962C8B-B14F-4D97-AF65-F5344CB8AC3E}">
-        <p14:creationId xmlns:p14="http://schemas.microsoft.com/office/powerpoint/2010/main" val="964162640"/>
+        <p14:creationId xmlns:p14="http://schemas.microsoft.com/office/powerpoint/2010/main" val="602006038"/>
       </p:ext>
     </p:extLst>
   </p:cSld>
